--- a/training-cards/emotional erwachsen/Family (FAM)/ger/apprentice/ger_FAM_03_Aufeinander_hoeren_EE_A.pptx
+++ b/training-cards/emotional erwachsen/Family (FAM)/ger/apprentice/ger_FAM_03_Aufeinander_hoeren_EE_A.pptx
@@ -108,6 +108,22 @@
       </a:defRPr>
     </a:lvl9pPr>
   </p:defaultTextStyle>
+  <p:extLst>
+    <p:ext uri="{EFAFB233-063F-42B5-8137-9DF3F51BA10A}">
+      <p15:sldGuideLst xmlns:p15="http://schemas.microsoft.com/office/powerpoint/2012/main">
+        <p15:guide id="1" orient="horz" pos="872">
+          <p15:clr>
+            <a:srgbClr val="A4A3A4"/>
+          </p15:clr>
+        </p15:guide>
+        <p15:guide id="2" pos="718">
+          <p15:clr>
+            <a:srgbClr val="A4A3A4"/>
+          </p15:clr>
+        </p15:guide>
+      </p15:sldGuideLst>
+    </p:ext>
+  </p:extLst>
 </p:presentation>
 </file>
 
@@ -193,7 +209,7 @@
           <a:p>
             <a:fld id="{6E077CBB-2DF5-4D45-BDDD-22DB2684D07E}" type="datetimeFigureOut">
               <a:rPr lang="de-DE" smtClean="0"/>
-              <a:t>26.06.15</a:t>
+              <a:t>04.11.15</a:t>
             </a:fld>
             <a:endParaRPr lang="de-DE"/>
           </a:p>
@@ -895,6 +911,162 @@
           </a:p>
         </p:txBody>
       </p:sp>
+      <p:sp>
+        <p:nvSpPr>
+          <p:cNvPr id="4" name="Textfeld 3"/>
+          <p:cNvSpPr txBox="1"/>
+          <p:nvPr userDrawn="1"/>
+        </p:nvSpPr>
+        <p:spPr>
+          <a:xfrm>
+            <a:off x="239285" y="4936890"/>
+            <a:ext cx="1044856" cy="276999"/>
+          </a:xfrm>
+          <a:prstGeom prst="rect">
+            <a:avLst/>
+          </a:prstGeom>
+          <a:noFill/>
+        </p:spPr>
+        <p:txBody>
+          <a:bodyPr wrap="square" rtlCol="0">
+            <a:spAutoFit/>
+          </a:bodyPr>
+          <a:lstStyle/>
+          <a:p>
+            <a:r>
+              <a:rPr lang="de-DE" sz="600" dirty="0">
+                <a:solidFill>
+                  <a:srgbClr val="5D5E5F"/>
+                </a:solidFill>
+                <a:latin typeface="Avenir Light"/>
+                <a:cs typeface="Avenir Light"/>
+              </a:rPr>
+              <a:t>Letzte Änderung: </a:t>
+            </a:r>
+            <a:fld id="{7A8C7DAC-E536-564C-B5B3-90E8FAB50562}" type="datetime1">
+              <a:rPr lang="de-DE" sz="600" smtClean="0">
+                <a:solidFill>
+                  <a:srgbClr val="5D5E5F"/>
+                </a:solidFill>
+                <a:latin typeface="Avenir Light"/>
+                <a:cs typeface="Avenir Light"/>
+              </a:rPr>
+              <a:t>04.11.15</a:t>
+            </a:fld>
+            <a:endParaRPr lang="de-DE" sz="600" dirty="0">
+              <a:solidFill>
+                <a:srgbClr val="5D5E5F"/>
+              </a:solidFill>
+              <a:latin typeface="Avenir Light"/>
+              <a:cs typeface="Avenir Light"/>
+            </a:endParaRPr>
+          </a:p>
+        </p:txBody>
+      </p:sp>
+      <p:sp>
+        <p:nvSpPr>
+          <p:cNvPr id="5" name="Shape 7"/>
+          <p:cNvSpPr/>
+          <p:nvPr userDrawn="1"/>
+        </p:nvSpPr>
+        <p:spPr>
+          <a:xfrm>
+            <a:off x="1683417" y="4952581"/>
+            <a:ext cx="4196016" cy="276995"/>
+          </a:xfrm>
+          <a:prstGeom prst="rect">
+            <a:avLst/>
+          </a:prstGeom>
+          <a:ln w="12700">
+            <a:miter lim="400000"/>
+          </a:ln>
+          <a:extLst>
+            <a:ext uri="{C572A759-6A51-4108-AA02-DFA0A04FC94B}">
+              <ma14:wrappingTextBoxFlag xmlns:ma14="http://schemas.microsoft.com/office/mac/drawingml/2011/main" val="1"/>
+            </a:ext>
+          </a:extLst>
+        </p:spPr>
+        <p:txBody>
+          <a:bodyPr wrap="none" lIns="45718" tIns="45718" rIns="45718" bIns="45718">
+            <a:spAutoFit/>
+          </a:bodyPr>
+          <a:lstStyle/>
+          <a:p>
+            <a:pPr lvl="0" algn="ctr">
+              <a:defRPr sz="1800"/>
+            </a:pPr>
+            <a:r>
+              <a:rPr sz="600" dirty="0">
+                <a:latin typeface="Avenir Light"/>
+                <a:ea typeface="Calibri"/>
+                <a:cs typeface="Avenir Light"/>
+                <a:sym typeface="Calibri"/>
+              </a:rPr>
+              <a:t>This work is licensed under the Creative Commons Attribution-NonCommercial-NoDerivatives 4.0 International License. </a:t>
+            </a:r>
+          </a:p>
+          <a:p>
+            <a:pPr lvl="0" algn="ctr">
+              <a:defRPr sz="1800"/>
+            </a:pPr>
+            <a:r>
+              <a:rPr sz="600" dirty="0">
+                <a:latin typeface="Avenir Light"/>
+                <a:ea typeface="Calibri"/>
+                <a:cs typeface="Avenir Light"/>
+                <a:sym typeface="Calibri"/>
+              </a:rPr>
+              <a:t>To view a copy of this license, visit </a:t>
+            </a:r>
+            <a:r>
+              <a:rPr sz="600" dirty="0">
+                <a:latin typeface="Avenir Light"/>
+                <a:ea typeface="Calibri"/>
+                <a:cs typeface="Avenir Light"/>
+                <a:sym typeface="Calibri"/>
+                <a:hlinkClick r:id="rId2"/>
+              </a:rPr>
+              <a:t>http://creativecommons.org/licenses/by-nc-nd/4.0/</a:t>
+            </a:r>
+            <a:r>
+              <a:rPr sz="600" dirty="0">
+                <a:latin typeface="Avenir Light"/>
+                <a:ea typeface="Calibri"/>
+                <a:cs typeface="Avenir Light"/>
+                <a:sym typeface="Calibri"/>
+              </a:rPr>
+              <a:t>.</a:t>
+            </a:r>
+          </a:p>
+        </p:txBody>
+      </p:sp>
+      <p:pic>
+        <p:nvPicPr>
+          <p:cNvPr id="6" name="pasted-image.tif"/>
+          <p:cNvPicPr/>
+          <p:nvPr userDrawn="1"/>
+        </p:nvPicPr>
+        <p:blipFill>
+          <a:blip r:embed="rId3">
+            <a:extLst/>
+          </a:blip>
+          <a:stretch>
+            <a:fillRect/>
+          </a:stretch>
+        </p:blipFill>
+        <p:spPr>
+          <a:xfrm>
+            <a:off x="6174185" y="4992838"/>
+            <a:ext cx="886619" cy="214128"/>
+          </a:xfrm>
+          <a:prstGeom prst="rect">
+            <a:avLst/>
+          </a:prstGeom>
+          <a:ln w="12700">
+            <a:miter lim="400000"/>
+          </a:ln>
+        </p:spPr>
+      </p:pic>
     </p:spTree>
     <p:extLst>
       <p:ext uri="{BB962C8B-B14F-4D97-AF65-F5344CB8AC3E}">
@@ -969,7 +1141,7 @@
           <a:p>
             <a:fld id="{FF5B2BAF-DF38-0A48-A798-0C06E514FD52}" type="datetimeFigureOut">
               <a:rPr lang="de-DE" smtClean="0"/>
-              <a:t>26.06.15</a:t>
+              <a:t>04.11.15</a:t>
             </a:fld>
             <a:endParaRPr lang="de-DE" dirty="0"/>
           </a:p>
@@ -1259,7 +1431,7 @@
           <a:p>
             <a:fld id="{FF5B2BAF-DF38-0A48-A798-0C06E514FD52}" type="datetimeFigureOut">
               <a:rPr lang="de-DE" smtClean="0"/>
-              <a:t>26.06.15</a:t>
+              <a:t>04.11.15</a:t>
             </a:fld>
             <a:endParaRPr lang="de-DE" dirty="0"/>
           </a:p>
@@ -1926,15 +2098,7 @@
             </a:pPr>
             <a:r>
               <a:rPr lang="de-DE" dirty="0" smtClean="0"/>
-              <a:t>In diesen Meetings werden die Wahrnehmungen der vergangenen Woche zum Umgang mit den vereinbarten Regeln besprochen. Die Beobachtungen sollen sich an möglichst </a:t>
-            </a:r>
-            <a:r>
-              <a:rPr lang="de-DE" dirty="0" smtClean="0"/>
-              <a:t>konkreten </a:t>
-            </a:r>
-            <a:r>
-              <a:rPr lang="de-DE" dirty="0" smtClean="0"/>
-              <a:t>Ereignissen festmachen. Sehr hilfreich ist dabei eine </a:t>
+              <a:t>In diesen Meetings werden die Wahrnehmungen der vergangenen Woche zum Umgang mit den vereinbarten Regeln besprochen. Die Beobachtungen sollen sich an möglichst konkreten Ereignissen festmachen. Sehr hilfreich ist dabei eine </a:t>
             </a:r>
             <a:r>
               <a:rPr lang="de-DE" dirty="0" err="1" smtClean="0"/>
@@ -2008,15 +2172,7 @@
             </a:pPr>
             <a:r>
               <a:rPr lang="de-DE" dirty="0" smtClean="0"/>
-              <a:t>Zum Schluss der Besprechung muss jeder eine Bewertung abgeben, wie gut er sich in diesem Meeting verstanden gefühlt hat und wie sehr er das Gefühl hat, dass </a:t>
-            </a:r>
-            <a:r>
-              <a:rPr lang="de-DE" dirty="0" smtClean="0"/>
-              <a:t>das, </a:t>
-            </a:r>
-            <a:r>
-              <a:rPr lang="de-DE" dirty="0" smtClean="0"/>
-              <a:t>was er gesagt hat, gehört wurde und auf Resonanz gestoßen ist. Die </a:t>
+              <a:t>Zum Schluss der Besprechung muss jeder eine Bewertung abgeben, wie gut er sich in diesem Meeting verstanden gefühlt hat und wie sehr er das Gefühl hat, dass das, was er gesagt hat, gehört wurde und auf Resonanz gestoßen ist. Die </a:t>
             </a:r>
             <a:r>
               <a:rPr lang="de-DE" dirty="0"/>
@@ -2274,31 +2430,43 @@
             </a:pPr>
             <a:r>
               <a:rPr lang="de-DE" sz="900" dirty="0" smtClean="0"/>
-              <a:t>Überlegt, ob die Regeln der Familienverfassung noch für alle so in Ordnung sind und für eine weitere Woche so bestehen bleiben sollen oder ggf. welche Änderungen erfolgen sollen. Wichtig ist hier wieder, das es eine Konsensentscheidung ist und die Perspektiven so lange ausgetauscht werden, bis Einstimmigkeit erreicht wird. Es geht darum, die Standpunkte der anderen wirklich zu verstehen </a:t>
+              <a:t>Überlegt, ob die Regeln der Familienverfassung </a:t>
+            </a:r>
+            <a:r>
+              <a:rPr lang="de-DE" sz="900" dirty="0" smtClean="0"/>
+              <a:t>für </a:t>
+            </a:r>
+            <a:r>
+              <a:rPr lang="de-DE" sz="900" dirty="0" smtClean="0"/>
+              <a:t>alle </a:t>
+            </a:r>
+            <a:r>
+              <a:rPr lang="de-DE" sz="900" dirty="0" smtClean="0"/>
+              <a:t>noch so </a:t>
+            </a:r>
+            <a:r>
+              <a:rPr lang="de-DE" sz="900" dirty="0" smtClean="0"/>
+              <a:t>in Ordnung sind und für eine weitere Woche so bestehen bleiben </a:t>
+            </a:r>
+            <a:r>
+              <a:rPr lang="de-DE" sz="900" dirty="0" smtClean="0"/>
+              <a:t>oder </a:t>
+            </a:r>
+            <a:r>
+              <a:rPr lang="de-DE" sz="900" dirty="0" smtClean="0"/>
+              <a:t>ggf. welche Änderungen erfolgen sollen. Wichtig ist hier wieder, das es eine </a:t>
+            </a:r>
+            <a:r>
+              <a:rPr lang="de-DE" sz="900" dirty="0" err="1" smtClean="0"/>
+              <a:t>Konsensent</a:t>
             </a:r>
             <a:r>
               <a:rPr lang="de-DE" sz="900" smtClean="0"/>
-              <a:t>und </a:t>
-            </a:r>
-            <a:r>
-              <a:rPr lang="de-DE" sz="900" smtClean="0"/>
-              <a:t>darüber zu </a:t>
-            </a:r>
-            <a:r>
-              <a:rPr lang="de-DE" sz="900" dirty="0" smtClean="0"/>
-              <a:t>einem </a:t>
-            </a:r>
-            <a:r>
-              <a:rPr lang="de-DE" sz="900" dirty="0" smtClean="0"/>
-              <a:t>gemeinsamen </a:t>
-            </a:r>
-            <a:r>
-              <a:rPr lang="de-DE" sz="900" dirty="0" smtClean="0"/>
-              <a:t>Verständnis zu </a:t>
-            </a:r>
-            <a:r>
-              <a:rPr lang="de-DE" sz="900" dirty="0" smtClean="0"/>
-              <a:t>kommen.</a:t>
+              <a:t>-scheidung </a:t>
+            </a:r>
+            <a:r>
+              <a:rPr lang="de-DE" sz="900" dirty="0" smtClean="0"/>
+              <a:t>ist und die Perspektiven so lange ausgetauscht werden, bis Einstimmigkeit erreicht wird. Es geht darum, die Standpunkte der anderen wirklich zu verstehen und darüber zu einem gemeinsamen Verständnis zu kommen.</a:t>
             </a:r>
           </a:p>
           <a:p>
@@ -2320,26 +2488,18 @@
             </a:r>
             <a:r>
               <a:rPr lang="de-DE" sz="900" dirty="0" smtClean="0"/>
-              <a:t>habe ich mich verstanden </a:t>
-            </a:r>
-            <a:r>
-              <a:rPr lang="de-DE" sz="900" dirty="0" smtClean="0"/>
-              <a:t>gefühlt? Wie gut bin ich gehört </a:t>
-            </a:r>
-            <a:r>
-              <a:rPr lang="de-DE" sz="900" dirty="0" smtClean="0"/>
-              <a:t>worden?“</a:t>
+              <a:t>habe ich mich verstanden gefühlt? Wie gut bin ich gehört worden?“</a:t>
             </a:r>
             <a:br>
               <a:rPr lang="de-DE" sz="900" dirty="0" smtClean="0"/>
             </a:br>
             <a:r>
               <a:rPr lang="de-DE" sz="900" dirty="0" smtClean="0"/>
-              <a:t> </a:t>
+              <a:t>Die </a:t>
             </a:r>
             <a:r>
               <a:rPr lang="de-DE" sz="900" dirty="0"/>
-              <a:t>Die Bewertung erfolgt auf einer Skala von 5 (sehr  gut) bis </a:t>
+              <a:t>Bewertung erfolgt auf einer Skala von 5 (sehr  gut) bis </a:t>
             </a:r>
             <a:r>
               <a:rPr lang="de-DE" sz="900" dirty="0" smtClean="0"/>
@@ -2463,14 +2623,11 @@
             </a:r>
             <a:r>
               <a:rPr lang="de-DE" sz="900" dirty="0" smtClean="0"/>
-              <a:t/>
-            </a:r>
-            <a:br>
-              <a:rPr lang="de-DE" sz="900" dirty="0" smtClean="0"/>
-            </a:br>
-            <a:r>
-              <a:rPr lang="de-DE" sz="900" dirty="0" smtClean="0"/>
-              <a:t>Klärt gemeinsam, ob und wie es mit der Familienverfassung weitergehen soll.</a:t>
+              <a:t>Klärt </a:t>
+            </a:r>
+            <a:r>
+              <a:rPr lang="de-DE" sz="900" dirty="0" smtClean="0"/>
+              <a:t>gemeinsam, ob und wie es mit der Familienverfassung weitergehen soll.</a:t>
             </a:r>
             <a:endParaRPr lang="de-DE" sz="900" dirty="0"/>
           </a:p>
@@ -2507,7 +2664,7 @@
         </p:blipFill>
         <p:spPr>
           <a:xfrm>
-            <a:off x="6371011" y="4121353"/>
+            <a:off x="6492198" y="3923047"/>
             <a:ext cx="901700" cy="901700"/>
           </a:xfrm>
           <a:prstGeom prst="rect">

--- a/training-cards/emotional erwachsen/Family (FAM)/ger/apprentice/ger_FAM_03_Aufeinander_hoeren_EE_A.pptx
+++ b/training-cards/emotional erwachsen/Family (FAM)/ger/apprentice/ger_FAM_03_Aufeinander_hoeren_EE_A.pptx
@@ -2282,6 +2282,222 @@
           </a:p>
         </p:txBody>
       </p:sp>
+      <p:sp>
+        <p:nvSpPr>
+          <p:cNvPr id="5" name="Untertitel 2"/>
+          <p:cNvSpPr txBox="1">
+            <a:spLocks/>
+          </p:cNvSpPr>
+          <p:nvPr/>
+        </p:nvSpPr>
+        <p:spPr>
+          <a:xfrm>
+            <a:off x="1192733" y="1068636"/>
+            <a:ext cx="5293995" cy="405086"/>
+          </a:xfrm>
+          <a:prstGeom prst="rect">
+            <a:avLst/>
+          </a:prstGeom>
+        </p:spPr>
+        <p:txBody>
+          <a:bodyPr>
+            <a:normAutofit/>
+          </a:bodyPr>
+          <a:lstStyle>
+            <a:lvl1pPr marL="263525" indent="-263525" algn="l" defTabSz="403388" rtl="0" eaLnBrk="1" latinLnBrk="0" hangingPunct="1">
+              <a:lnSpc>
+                <a:spcPct val="150000"/>
+              </a:lnSpc>
+              <a:spcBef>
+                <a:spcPts val="0"/>
+              </a:spcBef>
+              <a:buClr>
+                <a:srgbClr val="229237"/>
+              </a:buClr>
+              <a:buSzPct val="250000"/>
+              <a:buFontTx/>
+              <a:buBlip>
+                <a:blip r:embed="rId2"/>
+              </a:buBlip>
+              <a:defRPr sz="1000" kern="1200">
+                <a:solidFill>
+                  <a:srgbClr val="5D5E5F"/>
+                </a:solidFill>
+                <a:latin typeface="Avenir Light"/>
+                <a:ea typeface="+mn-ea"/>
+                <a:cs typeface="Avenir Light"/>
+              </a:defRPr>
+            </a:lvl1pPr>
+            <a:lvl2pPr marL="630238" indent="-227013" algn="l" defTabSz="403388" rtl="0" eaLnBrk="1" latinLnBrk="0" hangingPunct="1">
+              <a:lnSpc>
+                <a:spcPct val="150000"/>
+              </a:lnSpc>
+              <a:spcBef>
+                <a:spcPts val="0"/>
+              </a:spcBef>
+              <a:buClr>
+                <a:srgbClr val="229237"/>
+              </a:buClr>
+              <a:buSzPct val="250000"/>
+              <a:buFontTx/>
+              <a:buBlip>
+                <a:blip r:embed="rId2"/>
+              </a:buBlip>
+              <a:defRPr sz="1000" kern="1200">
+                <a:solidFill>
+                  <a:srgbClr val="5D5E5F"/>
+                </a:solidFill>
+                <a:latin typeface="Avenir Light"/>
+                <a:ea typeface="+mn-ea"/>
+                <a:cs typeface="Avenir Light"/>
+              </a:defRPr>
+            </a:lvl2pPr>
+            <a:lvl3pPr marL="1008469" indent="-201694" algn="l" defTabSz="403388" rtl="0" eaLnBrk="1" latinLnBrk="0" hangingPunct="1">
+              <a:lnSpc>
+                <a:spcPct val="150000"/>
+              </a:lnSpc>
+              <a:spcBef>
+                <a:spcPts val="0"/>
+              </a:spcBef>
+              <a:buClr>
+                <a:srgbClr val="229237"/>
+              </a:buClr>
+              <a:buSzPct val="250000"/>
+              <a:buFontTx/>
+              <a:buBlip>
+                <a:blip r:embed="rId2"/>
+              </a:buBlip>
+              <a:defRPr sz="1000" kern="1200">
+                <a:solidFill>
+                  <a:srgbClr val="5D5E5F"/>
+                </a:solidFill>
+                <a:latin typeface="Avenir Light"/>
+                <a:ea typeface="+mn-ea"/>
+                <a:cs typeface="Avenir Light"/>
+              </a:defRPr>
+            </a:lvl3pPr>
+            <a:lvl4pPr marL="1411856" indent="-201694" algn="l" defTabSz="403388" rtl="0" eaLnBrk="1" latinLnBrk="0" hangingPunct="1">
+              <a:lnSpc>
+                <a:spcPct val="150000"/>
+              </a:lnSpc>
+              <a:spcBef>
+                <a:spcPts val="0"/>
+              </a:spcBef>
+              <a:buClr>
+                <a:srgbClr val="229237"/>
+              </a:buClr>
+              <a:buSzPct val="250000"/>
+              <a:buFontTx/>
+              <a:buBlip>
+                <a:blip r:embed="rId2"/>
+              </a:buBlip>
+              <a:defRPr sz="1000" kern="1200">
+                <a:solidFill>
+                  <a:srgbClr val="5D5E5F"/>
+                </a:solidFill>
+                <a:latin typeface="Avenir Light"/>
+                <a:ea typeface="+mn-ea"/>
+                <a:cs typeface="Avenir Light"/>
+              </a:defRPr>
+            </a:lvl4pPr>
+            <a:lvl5pPr marL="1815244" indent="-201694" algn="l" defTabSz="403388" rtl="0" eaLnBrk="1" latinLnBrk="0" hangingPunct="1">
+              <a:spcBef>
+                <a:spcPct val="20000"/>
+              </a:spcBef>
+              <a:buClr>
+                <a:srgbClr val="229237"/>
+              </a:buClr>
+              <a:buSzPct val="170000"/>
+              <a:buFontTx/>
+              <a:buBlip>
+                <a:blip r:embed="rId3"/>
+              </a:buBlip>
+              <a:defRPr sz="1000" kern="1200">
+                <a:solidFill>
+                  <a:srgbClr val="5D5E5F"/>
+                </a:solidFill>
+                <a:latin typeface="Avenir Light"/>
+                <a:ea typeface="+mn-ea"/>
+                <a:cs typeface="Avenir Light"/>
+              </a:defRPr>
+            </a:lvl5pPr>
+            <a:lvl6pPr marL="2218632" indent="-201694" algn="l" defTabSz="403388" rtl="0" eaLnBrk="1" latinLnBrk="0" hangingPunct="1">
+              <a:spcBef>
+                <a:spcPct val="20000"/>
+              </a:spcBef>
+              <a:buFont typeface="Arial"/>
+              <a:buChar char="•"/>
+              <a:defRPr sz="1800" kern="1200">
+                <a:solidFill>
+                  <a:schemeClr val="tx1"/>
+                </a:solidFill>
+                <a:latin typeface="+mn-lt"/>
+                <a:ea typeface="+mn-ea"/>
+                <a:cs typeface="+mn-cs"/>
+              </a:defRPr>
+            </a:lvl6pPr>
+            <a:lvl7pPr marL="2622019" indent="-201694" algn="l" defTabSz="403388" rtl="0" eaLnBrk="1" latinLnBrk="0" hangingPunct="1">
+              <a:spcBef>
+                <a:spcPct val="20000"/>
+              </a:spcBef>
+              <a:buFont typeface="Arial"/>
+              <a:buChar char="•"/>
+              <a:defRPr sz="1800" kern="1200">
+                <a:solidFill>
+                  <a:schemeClr val="tx1"/>
+                </a:solidFill>
+                <a:latin typeface="+mn-lt"/>
+                <a:ea typeface="+mn-ea"/>
+                <a:cs typeface="+mn-cs"/>
+              </a:defRPr>
+            </a:lvl7pPr>
+            <a:lvl8pPr marL="3025407" indent="-201694" algn="l" defTabSz="403388" rtl="0" eaLnBrk="1" latinLnBrk="0" hangingPunct="1">
+              <a:spcBef>
+                <a:spcPct val="20000"/>
+              </a:spcBef>
+              <a:buFont typeface="Arial"/>
+              <a:buChar char="•"/>
+              <a:defRPr sz="1800" kern="1200">
+                <a:solidFill>
+                  <a:schemeClr val="tx1"/>
+                </a:solidFill>
+                <a:latin typeface="+mn-lt"/>
+                <a:ea typeface="+mn-ea"/>
+                <a:cs typeface="+mn-cs"/>
+              </a:defRPr>
+            </a:lvl8pPr>
+            <a:lvl9pPr marL="3428794" indent="-201694" algn="l" defTabSz="403388" rtl="0" eaLnBrk="1" latinLnBrk="0" hangingPunct="1">
+              <a:spcBef>
+                <a:spcPct val="20000"/>
+              </a:spcBef>
+              <a:buFont typeface="Arial"/>
+              <a:buChar char="•"/>
+              <a:defRPr sz="1800" kern="1200">
+                <a:solidFill>
+                  <a:schemeClr val="tx1"/>
+                </a:solidFill>
+                <a:latin typeface="+mn-lt"/>
+                <a:ea typeface="+mn-ea"/>
+                <a:cs typeface="+mn-cs"/>
+              </a:defRPr>
+            </a:lvl9pPr>
+          </a:lstStyle>
+          <a:p>
+            <a:pPr marL="0" indent="0">
+              <a:buNone/>
+            </a:pPr>
+            <a:r>
+              <a:rPr lang="de-DE" cap="all" dirty="0" smtClean="0"/>
+              <a:t>Silke </a:t>
+            </a:r>
+            <a:r>
+              <a:rPr lang="de-DE" cap="all" dirty="0" err="1" smtClean="0"/>
+              <a:t>Kainzbauer</a:t>
+            </a:r>
+            <a:endParaRPr lang="de-DE" cap="all" dirty="0"/>
+          </a:p>
+        </p:txBody>
+      </p:sp>
     </p:spTree>
     <p:extLst>
       <p:ext uri="{BB962C8B-B14F-4D97-AF65-F5344CB8AC3E}">
@@ -2430,43 +2646,15 @@
             </a:pPr>
             <a:r>
               <a:rPr lang="de-DE" sz="900" dirty="0" smtClean="0"/>
-              <a:t>Überlegt, ob die Regeln der Familienverfassung </a:t>
-            </a:r>
-            <a:r>
-              <a:rPr lang="de-DE" sz="900" dirty="0" smtClean="0"/>
-              <a:t>für </a:t>
-            </a:r>
-            <a:r>
-              <a:rPr lang="de-DE" sz="900" dirty="0" smtClean="0"/>
-              <a:t>alle </a:t>
-            </a:r>
-            <a:r>
-              <a:rPr lang="de-DE" sz="900" dirty="0" smtClean="0"/>
-              <a:t>noch so </a:t>
-            </a:r>
-            <a:r>
-              <a:rPr lang="de-DE" sz="900" dirty="0" smtClean="0"/>
-              <a:t>in Ordnung sind und für eine weitere Woche so bestehen bleiben </a:t>
-            </a:r>
-            <a:r>
-              <a:rPr lang="de-DE" sz="900" dirty="0" smtClean="0"/>
-              <a:t>oder </a:t>
-            </a:r>
-            <a:r>
-              <a:rPr lang="de-DE" sz="900" dirty="0" smtClean="0"/>
-              <a:t>ggf. welche Änderungen erfolgen sollen. Wichtig ist hier wieder, das es eine </a:t>
+              <a:t>Überlegt, ob die Regeln der Familienverfassung für alle noch so in Ordnung sind und für eine weitere Woche so bestehen bleiben oder ggf. welche Änderungen erfolgen sollen. Wichtig ist hier wieder, das es eine </a:t>
             </a:r>
             <a:r>
               <a:rPr lang="de-DE" sz="900" dirty="0" err="1" smtClean="0"/>
               <a:t>Konsensent</a:t>
             </a:r>
             <a:r>
-              <a:rPr lang="de-DE" sz="900" smtClean="0"/>
-              <a:t>-scheidung </a:t>
-            </a:r>
-            <a:r>
               <a:rPr lang="de-DE" sz="900" dirty="0" smtClean="0"/>
-              <a:t>ist und die Perspektiven so lange ausgetauscht werden, bis Einstimmigkeit erreicht wird. Es geht darum, die Standpunkte der anderen wirklich zu verstehen und darüber zu einem gemeinsamen Verständnis zu kommen.</a:t>
+              <a:t>-scheidung ist und die Perspektiven so lange ausgetauscht werden, bis Einstimmigkeit erreicht wird. Es geht darum, die Standpunkte der anderen wirklich zu verstehen und darüber zu einem gemeinsamen Verständnis zu kommen.</a:t>
             </a:r>
           </a:p>
           <a:p>
@@ -2623,11 +2811,7 @@
             </a:r>
             <a:r>
               <a:rPr lang="de-DE" sz="900" dirty="0" smtClean="0"/>
-              <a:t>Klärt </a:t>
-            </a:r>
-            <a:r>
-              <a:rPr lang="de-DE" sz="900" dirty="0" smtClean="0"/>
-              <a:t>gemeinsam, ob und wie es mit der Familienverfassung weitergehen soll.</a:t>
+              <a:t>Klärt gemeinsam, ob und wie es mit der Familienverfassung weitergehen soll.</a:t>
             </a:r>
             <a:endParaRPr lang="de-DE" sz="900" dirty="0"/>
           </a:p>
